--- a/course/spring_lecture1.pptx
+++ b/course/spring_lecture1.pptx
@@ -383,7 +383,7 @@
           <a:p>
             <a:fld id="{46D9A6F5-1E9F-4F7F-B335-C9B2093BF1AB}" type="datetimeFigureOut">
               <a:rPr lang="en-GB" smtClean="0"/>
-              <a:t>26/07/2016</a:t>
+              <a:t>27/07/2016</a:t>
             </a:fld>
             <a:endParaRPr lang="en-GB"/>
           </a:p>
@@ -591,7 +591,7 @@
           <a:p>
             <a:fld id="{46D9A6F5-1E9F-4F7F-B335-C9B2093BF1AB}" type="datetimeFigureOut">
               <a:rPr lang="en-GB" smtClean="0"/>
-              <a:t>26/07/2016</a:t>
+              <a:t>27/07/2016</a:t>
             </a:fld>
             <a:endParaRPr lang="en-GB"/>
           </a:p>
@@ -847,7 +847,7 @@
           <a:p>
             <a:fld id="{46D9A6F5-1E9F-4F7F-B335-C9B2093BF1AB}" type="datetimeFigureOut">
               <a:rPr lang="en-GB" smtClean="0"/>
-              <a:t>26/07/2016</a:t>
+              <a:t>27/07/2016</a:t>
             </a:fld>
             <a:endParaRPr lang="en-GB"/>
           </a:p>
@@ -1021,7 +1021,7 @@
           <a:p>
             <a:fld id="{46D9A6F5-1E9F-4F7F-B335-C9B2093BF1AB}" type="datetimeFigureOut">
               <a:rPr lang="en-GB" smtClean="0"/>
-              <a:t>26/07/2016</a:t>
+              <a:t>27/07/2016</a:t>
             </a:fld>
             <a:endParaRPr lang="en-GB"/>
           </a:p>
@@ -1364,7 +1364,7 @@
           <a:p>
             <a:fld id="{46D9A6F5-1E9F-4F7F-B335-C9B2093BF1AB}" type="datetimeFigureOut">
               <a:rPr lang="en-GB" smtClean="0"/>
-              <a:t>26/07/2016</a:t>
+              <a:t>27/07/2016</a:t>
             </a:fld>
             <a:endParaRPr lang="en-GB"/>
           </a:p>
@@ -1639,7 +1639,7 @@
           <a:p>
             <a:fld id="{46D9A6F5-1E9F-4F7F-B335-C9B2093BF1AB}" type="datetimeFigureOut">
               <a:rPr lang="en-GB" smtClean="0"/>
-              <a:t>26/07/2016</a:t>
+              <a:t>27/07/2016</a:t>
             </a:fld>
             <a:endParaRPr lang="en-GB"/>
           </a:p>
@@ -2018,7 +2018,7 @@
           <a:p>
             <a:fld id="{46D9A6F5-1E9F-4F7F-B335-C9B2093BF1AB}" type="datetimeFigureOut">
               <a:rPr lang="en-GB" smtClean="0"/>
-              <a:t>26/07/2016</a:t>
+              <a:t>27/07/2016</a:t>
             </a:fld>
             <a:endParaRPr lang="en-GB"/>
           </a:p>
@@ -2136,7 +2136,7 @@
           <a:p>
             <a:fld id="{46D9A6F5-1E9F-4F7F-B335-C9B2093BF1AB}" type="datetimeFigureOut">
               <a:rPr lang="en-GB" smtClean="0"/>
-              <a:t>26/07/2016</a:t>
+              <a:t>27/07/2016</a:t>
             </a:fld>
             <a:endParaRPr lang="en-GB"/>
           </a:p>
@@ -2307,7 +2307,7 @@
           <a:p>
             <a:fld id="{46D9A6F5-1E9F-4F7F-B335-C9B2093BF1AB}" type="datetimeFigureOut">
               <a:rPr lang="en-GB" smtClean="0"/>
-              <a:t>26/07/2016</a:t>
+              <a:t>27/07/2016</a:t>
             </a:fld>
             <a:endParaRPr lang="en-GB"/>
           </a:p>
@@ -2661,7 +2661,7 @@
           <a:p>
             <a:fld id="{46D9A6F5-1E9F-4F7F-B335-C9B2093BF1AB}" type="datetimeFigureOut">
               <a:rPr lang="en-GB" smtClean="0"/>
-              <a:t>26/07/2016</a:t>
+              <a:t>27/07/2016</a:t>
             </a:fld>
             <a:endParaRPr lang="en-GB"/>
           </a:p>
@@ -3043,7 +3043,7 @@
           <a:p>
             <a:fld id="{46D9A6F5-1E9F-4F7F-B335-C9B2093BF1AB}" type="datetimeFigureOut">
               <a:rPr lang="en-GB" smtClean="0"/>
-              <a:t>26/07/2016</a:t>
+              <a:t>27/07/2016</a:t>
             </a:fld>
             <a:endParaRPr lang="en-GB"/>
           </a:p>
@@ -3330,7 +3330,7 @@
           <a:p>
             <a:fld id="{46D9A6F5-1E9F-4F7F-B335-C9B2093BF1AB}" type="datetimeFigureOut">
               <a:rPr lang="en-GB" smtClean="0"/>
-              <a:t>26/07/2016</a:t>
+              <a:t>27/07/2016</a:t>
             </a:fld>
             <a:endParaRPr lang="en-GB"/>
           </a:p>
@@ -3961,7 +3961,7 @@
         </p:nvSpPr>
         <p:spPr>
           <a:xfrm>
-            <a:off x="4075211" y="4359461"/>
+            <a:off x="4075211" y="4269151"/>
             <a:ext cx="4005330" cy="369332"/>
           </a:xfrm>
           <a:prstGeom prst="rect">
@@ -4150,8 +4150,8 @@
         </p:nvSpPr>
         <p:spPr>
           <a:xfrm>
-            <a:off x="905933" y="2521302"/>
-            <a:ext cx="10515600" cy="1325563"/>
+            <a:off x="939799" y="2404532"/>
+            <a:ext cx="10515600" cy="1047221"/>
           </a:xfrm>
         </p:spPr>
         <p:txBody>
@@ -4161,7 +4161,7 @@
             <a:pPr algn="ctr"/>
             <a:r>
               <a:rPr lang="en-US" dirty="0" smtClean="0"/>
-              <a:t>Spring setup</a:t>
+              <a:t>Spring development environment setup</a:t>
             </a:r>
             <a:endParaRPr lang="en-GB" dirty="0"/>
           </a:p>
@@ -4418,7 +4418,7 @@
         </p:nvSpPr>
         <p:spPr>
           <a:xfrm>
-            <a:off x="770467" y="2363257"/>
+            <a:off x="793045" y="2114901"/>
             <a:ext cx="10515600" cy="1325563"/>
           </a:xfrm>
         </p:spPr>
@@ -4429,7 +4429,7 @@
             <a:pPr algn="ctr"/>
             <a:r>
               <a:rPr lang="en-US" dirty="0" smtClean="0"/>
-              <a:t>Spring hello world</a:t>
+              <a:t>Start code Spring hello world</a:t>
             </a:r>
             <a:endParaRPr lang="en-GB" dirty="0"/>
           </a:p>
@@ -4738,8 +4738,8 @@
         </p:blipFill>
         <p:spPr>
           <a:xfrm>
-            <a:off x="2321413" y="1828799"/>
-            <a:ext cx="7890740" cy="4495062"/>
+            <a:off x="1181806" y="1824566"/>
+            <a:ext cx="7886700" cy="4495800"/>
           </a:xfrm>
           <a:prstGeom prst="rect">
             <a:avLst/>
@@ -4830,7 +4830,7 @@
         </p:blipFill>
         <p:spPr>
           <a:xfrm>
-            <a:off x="989894" y="1897238"/>
+            <a:off x="1097280" y="1897238"/>
             <a:ext cx="10107084" cy="3671183"/>
           </a:xfrm>
           <a:prstGeom prst="rect">
@@ -4914,8 +4914,8 @@
         </p:blipFill>
         <p:spPr>
           <a:xfrm>
-            <a:off x="1879246" y="1827512"/>
-            <a:ext cx="8494468" cy="4509999"/>
+            <a:off x="1230488" y="1808085"/>
+            <a:ext cx="8361259" cy="4439274"/>
           </a:xfrm>
           <a:prstGeom prst="rect">
             <a:avLst/>
@@ -5151,19 +5151,25 @@
           <a:p>
             <a:r>
               <a:rPr lang="en-US" dirty="0" smtClean="0"/>
-              <a:t>Motivation</a:t>
-            </a:r>
-          </a:p>
-          <a:p>
-            <a:r>
-              <a:rPr lang="en-US" dirty="0" smtClean="0"/>
-              <a:t>Spring Hello World</a:t>
-            </a:r>
-          </a:p>
-          <a:p>
-            <a:r>
-              <a:rPr lang="en-US" dirty="0" smtClean="0"/>
-              <a:t>POJO development</a:t>
+              <a:t>Motivation of using Spring platform</a:t>
+            </a:r>
+          </a:p>
+          <a:p>
+            <a:r>
+              <a:rPr lang="en-US" dirty="0" smtClean="0"/>
+              <a:t>Set up Spring Development</a:t>
+            </a:r>
+          </a:p>
+          <a:p>
+            <a:r>
+              <a:rPr lang="en-US" dirty="0" smtClean="0"/>
+              <a:t>Start code Spring Hello World</a:t>
+            </a:r>
+          </a:p>
+          <a:p>
+            <a:r>
+              <a:rPr lang="en-US" dirty="0" smtClean="0"/>
+              <a:t>Start code POJO development</a:t>
             </a:r>
           </a:p>
           <a:p>
@@ -5310,23 +5316,14 @@
           <a:p>
             <a:r>
               <a:rPr lang="en-US" dirty="0" smtClean="0"/>
-              <a:t>Identify information available during </a:t>
-            </a:r>
-            <a:r>
-              <a:rPr lang="en-US" dirty="0" err="1" smtClean="0"/>
-              <a:t>inititalization</a:t>
-            </a:r>
-            <a:endParaRPr lang="en-US" dirty="0" smtClean="0"/>
+              <a:t>Identify information available during initialization</a:t>
+            </a:r>
           </a:p>
           <a:p>
             <a:pPr lvl="1"/>
             <a:r>
-              <a:rPr lang="en-US" dirty="0" err="1" smtClean="0"/>
-              <a:t>Initalization</a:t>
-            </a:r>
-            <a:r>
-              <a:rPr lang="en-US" dirty="0" smtClean="0"/>
-              <a:t> parameters for constructors, setters, factories</a:t>
+              <a:rPr lang="en-US" dirty="0" smtClean="0"/>
+              <a:t>Initialization parameters for constructors, setters, factories</a:t>
             </a:r>
           </a:p>
           <a:p>
@@ -5419,7 +5416,7 @@
         </p:nvSpPr>
         <p:spPr>
           <a:xfrm>
-            <a:off x="838200" y="3346863"/>
+            <a:off x="1097280" y="3300191"/>
             <a:ext cx="10515600" cy="2830100"/>
           </a:xfrm>
         </p:spPr>
@@ -5574,11 +5571,7 @@
             </a:r>
             <a:r>
               <a:rPr lang="en-US" dirty="0" smtClean="0"/>
-              <a:t> development </a:t>
-            </a:r>
-            <a:r>
-              <a:rPr lang="en-US" dirty="0" err="1" smtClean="0"/>
-              <a:t>proceses</a:t>
+              <a:t> development processes</a:t>
             </a:r>
             <a:endParaRPr lang="en-GB" dirty="0"/>
           </a:p>
@@ -5596,7 +5589,7 @@
         </p:nvSpPr>
         <p:spPr>
           <a:xfrm>
-            <a:off x="838200" y="1825625"/>
+            <a:off x="1097280" y="1825625"/>
             <a:ext cx="10515600" cy="1132064"/>
           </a:xfrm>
         </p:spPr>
@@ -5694,11 +5687,7 @@
             </a:r>
             <a:r>
               <a:rPr lang="en-US" dirty="0" smtClean="0"/>
-              <a:t> development </a:t>
-            </a:r>
-            <a:r>
-              <a:rPr lang="en-US" dirty="0" err="1" smtClean="0"/>
-              <a:t>proceses</a:t>
+              <a:t> development processes</a:t>
             </a:r>
             <a:endParaRPr lang="en-GB" dirty="0"/>
           </a:p>
@@ -5716,7 +5705,7 @@
         </p:nvSpPr>
         <p:spPr>
           <a:xfrm>
-            <a:off x="838200" y="1825625"/>
+            <a:off x="1097280" y="1825625"/>
             <a:ext cx="10515600" cy="928864"/>
           </a:xfrm>
         </p:spPr>
@@ -5832,7 +5821,7 @@
         </p:nvSpPr>
         <p:spPr>
           <a:xfrm>
-            <a:off x="838200" y="1825625"/>
+            <a:off x="1097280" y="1825625"/>
             <a:ext cx="10515600" cy="770819"/>
           </a:xfrm>
         </p:spPr>
@@ -5948,7 +5937,7 @@
         </p:nvSpPr>
         <p:spPr>
           <a:xfrm>
-            <a:off x="838200" y="1825625"/>
+            <a:off x="1097280" y="1825625"/>
             <a:ext cx="10515600" cy="906286"/>
           </a:xfrm>
         </p:spPr>
@@ -6068,8 +6057,8 @@
         </p:blipFill>
         <p:spPr>
           <a:xfrm>
-            <a:off x="2005012" y="2577217"/>
-            <a:ext cx="8181975" cy="2809875"/>
+            <a:off x="1097280" y="2348087"/>
+            <a:ext cx="9894387" cy="3397956"/>
           </a:xfrm>
           <a:prstGeom prst="rect">
             <a:avLst/>
@@ -6152,8 +6141,8 @@
         </p:blipFill>
         <p:spPr>
           <a:xfrm>
-            <a:off x="2032000" y="1796510"/>
-            <a:ext cx="7929562" cy="4502620"/>
+            <a:off x="1320800" y="1804164"/>
+            <a:ext cx="7811911" cy="4435815"/>
           </a:xfrm>
           <a:prstGeom prst="rect">
             <a:avLst/>
@@ -6222,7 +6211,7 @@
       </p:sp>
       <p:pic>
         <p:nvPicPr>
-          <p:cNvPr id="4" name="Picture 3"/>
+          <p:cNvPr id="3" name="Picture 2"/>
           <p:cNvPicPr>
             <a:picLocks noChangeAspect="1"/>
           </p:cNvPicPr>
@@ -6236,8 +6225,8 @@
         </p:blipFill>
         <p:spPr>
           <a:xfrm>
-            <a:off x="1572683" y="2285823"/>
-            <a:ext cx="8572500" cy="2466975"/>
+            <a:off x="1097280" y="2058280"/>
+            <a:ext cx="10354946" cy="3010431"/>
           </a:xfrm>
           <a:prstGeom prst="rect">
             <a:avLst/>
@@ -6306,7 +6295,7 @@
       </p:sp>
       <p:pic>
         <p:nvPicPr>
-          <p:cNvPr id="3" name="Picture 2"/>
+          <p:cNvPr id="4" name="Picture 3"/>
           <p:cNvPicPr>
             <a:picLocks noChangeAspect="1"/>
           </p:cNvPicPr>
@@ -6320,8 +6309,8 @@
         </p:blipFill>
         <p:spPr>
           <a:xfrm>
-            <a:off x="2273617" y="1825801"/>
-            <a:ext cx="7705725" cy="4448175"/>
+            <a:off x="1241601" y="1897767"/>
+            <a:ext cx="7496175" cy="4371975"/>
           </a:xfrm>
           <a:prstGeom prst="rect">
             <a:avLst/>
@@ -6377,7 +6366,7 @@
         </p:nvSpPr>
         <p:spPr>
           <a:xfrm>
-            <a:off x="939800" y="2510014"/>
+            <a:off x="939800" y="2193925"/>
             <a:ext cx="10515600" cy="1325563"/>
           </a:xfrm>
         </p:spPr>
@@ -6388,7 +6377,7 @@
             <a:pPr algn="ctr"/>
             <a:r>
               <a:rPr lang="en-US" dirty="0" smtClean="0"/>
-              <a:t>Motivation</a:t>
+              <a:t>Motivation of using Spring Platform</a:t>
             </a:r>
             <a:endParaRPr lang="en-GB" dirty="0"/>
           </a:p>
@@ -6608,7 +6597,7 @@
         </p:blipFill>
         <p:spPr>
           <a:xfrm>
-            <a:off x="2177167" y="1825801"/>
+            <a:off x="1375655" y="1837090"/>
             <a:ext cx="7724775" cy="4448175"/>
           </a:xfrm>
           <a:prstGeom prst="rect">
@@ -6665,7 +6654,7 @@
         </p:nvSpPr>
         <p:spPr>
           <a:xfrm>
-            <a:off x="928511" y="2600325"/>
+            <a:off x="962377" y="2182636"/>
             <a:ext cx="10515600" cy="1325563"/>
           </a:xfrm>
         </p:spPr>
@@ -6991,7 +6980,7 @@
         </p:blipFill>
         <p:spPr>
           <a:xfrm>
-            <a:off x="2317221" y="1816383"/>
+            <a:off x="1244035" y="1816383"/>
             <a:ext cx="7286625" cy="4438650"/>
           </a:xfrm>
           <a:prstGeom prst="rect">
@@ -7061,7 +7050,7 @@
       </p:sp>
       <p:pic>
         <p:nvPicPr>
-          <p:cNvPr id="5" name="Picture 4"/>
+          <p:cNvPr id="3" name="Picture 2"/>
           <p:cNvPicPr>
             <a:picLocks noChangeAspect="1"/>
           </p:cNvPicPr>
@@ -7075,8 +7064,8 @@
         </p:blipFill>
         <p:spPr>
           <a:xfrm>
-            <a:off x="1638652" y="1776412"/>
-            <a:ext cx="8553450" cy="4524375"/>
+            <a:off x="1229960" y="1816383"/>
+            <a:ext cx="8467725" cy="4476750"/>
           </a:xfrm>
           <a:prstGeom prst="rect">
             <a:avLst/>
@@ -7159,7 +7148,7 @@
         </p:blipFill>
         <p:spPr>
           <a:xfrm>
-            <a:off x="2416492" y="1838960"/>
+            <a:off x="1242448" y="1816383"/>
             <a:ext cx="7419975" cy="4429125"/>
           </a:xfrm>
           <a:prstGeom prst="rect">
@@ -7239,7 +7228,7 @@
         </p:nvSpPr>
         <p:spPr>
           <a:xfrm>
-            <a:off x="868680" y="1737360"/>
+            <a:off x="1097280" y="1747520"/>
             <a:ext cx="10515600" cy="1752953"/>
           </a:xfrm>
         </p:spPr>
@@ -7373,7 +7362,7 @@
         </p:nvSpPr>
         <p:spPr>
           <a:xfrm>
-            <a:off x="838200" y="1825625"/>
+            <a:off x="1065671" y="1825624"/>
             <a:ext cx="10515600" cy="1301397"/>
           </a:xfrm>
         </p:spPr>
@@ -7472,7 +7461,7 @@
         </p:nvSpPr>
         <p:spPr>
           <a:xfrm>
-            <a:off x="883356" y="2589036"/>
+            <a:off x="838200" y="2103614"/>
             <a:ext cx="10515600" cy="1325563"/>
           </a:xfrm>
         </p:spPr>
@@ -7586,6 +7575,14 @@
               <a:rPr lang="en-US" dirty="0" smtClean="0"/>
               <a:t>Software components must be verifiable</a:t>
             </a:r>
+          </a:p>
+          <a:p>
+            <a:r>
+              <a:rPr lang="en-US" dirty="0" smtClean="0"/>
+              <a:t>Software product must be easy validate</a:t>
+            </a:r>
+          </a:p>
+          <a:p>
             <a:endParaRPr lang="en-GB" dirty="0"/>
           </a:p>
         </p:txBody>
@@ -7827,7 +7824,7 @@
       </p:sp>
       <p:pic>
         <p:nvPicPr>
-          <p:cNvPr id="4" name="Picture 3"/>
+          <p:cNvPr id="5" name="Picture 4"/>
           <p:cNvPicPr>
             <a:picLocks noChangeAspect="1"/>
           </p:cNvPicPr>
@@ -7841,8 +7838,8 @@
         </p:blipFill>
         <p:spPr>
           <a:xfrm>
-            <a:off x="1997392" y="2979509"/>
-            <a:ext cx="8258175" cy="3248025"/>
+            <a:off x="1813277" y="2986793"/>
+            <a:ext cx="8154811" cy="3271633"/>
           </a:xfrm>
           <a:prstGeom prst="rect">
             <a:avLst/>
@@ -8083,7 +8080,7 @@
         </p:blipFill>
         <p:spPr>
           <a:xfrm>
-            <a:off x="2348053" y="1829754"/>
+            <a:off x="1230453" y="1829753"/>
             <a:ext cx="6951874" cy="4000459"/>
           </a:xfrm>
           <a:prstGeom prst="rect">
@@ -8107,7 +8104,7 @@
         </p:blipFill>
         <p:spPr>
           <a:xfrm>
-            <a:off x="2768890" y="5366960"/>
+            <a:off x="1707735" y="5366959"/>
             <a:ext cx="6715180" cy="926505"/>
           </a:xfrm>
           <a:prstGeom prst="rect">
@@ -8353,13 +8350,8 @@
             <a:pPr lvl="1"/>
             <a:r>
               <a:rPr lang="en-US" dirty="0" smtClean="0"/>
-              <a:t>Place applicationcontext.xml in the </a:t>
-            </a:r>
-            <a:r>
-              <a:rPr lang="en-US" dirty="0" err="1" smtClean="0"/>
-              <a:t>classpath</a:t>
-            </a:r>
-            <a:endParaRPr lang="en-US" dirty="0" smtClean="0"/>
+              <a:t>Place applicationcontext.xml in the class path</a:t>
+            </a:r>
           </a:p>
           <a:p>
             <a:r>
@@ -8391,15 +8383,7 @@
             <a:pPr lvl="1"/>
             <a:r>
               <a:rPr lang="en-US" dirty="0" smtClean="0"/>
-              <a:t>Use bean attributes id and classes for </a:t>
-            </a:r>
-            <a:r>
-              <a:rPr lang="en-US" dirty="0" err="1" smtClean="0"/>
-              <a:t>specififying</a:t>
-            </a:r>
-            <a:r>
-              <a:rPr lang="en-US" dirty="0" smtClean="0"/>
-              <a:t> the name and the type </a:t>
+              <a:t>Use bean attributes id and classes for specifying the name and the type </a:t>
             </a:r>
           </a:p>
         </p:txBody>
@@ -8458,15 +8442,7 @@
           <a:p>
             <a:r>
               <a:rPr lang="en-US" dirty="0" smtClean="0"/>
-              <a:t>Summary (</a:t>
-            </a:r>
-            <a:r>
-              <a:rPr lang="en-US" dirty="0" err="1" smtClean="0"/>
-              <a:t>cont</a:t>
-            </a:r>
-            <a:r>
-              <a:rPr lang="en-US" dirty="0" smtClean="0"/>
-              <a:t>)</a:t>
+              <a:t>Summary</a:t>
             </a:r>
             <a:endParaRPr lang="en-GB" dirty="0"/>
           </a:p>
@@ -8488,12 +8464,8 @@
           <a:lstStyle/>
           <a:p>
             <a:r>
-              <a:rPr lang="en-US" dirty="0" err="1" smtClean="0"/>
-              <a:t>Instititate</a:t>
-            </a:r>
-            <a:r>
-              <a:rPr lang="en-US" dirty="0" smtClean="0"/>
-              <a:t> a spring </a:t>
+              <a:rPr lang="en-US" dirty="0" smtClean="0"/>
+              <a:t>Instantiate a spring </a:t>
             </a:r>
             <a:r>
               <a:rPr lang="en-US" dirty="0" err="1" smtClean="0"/>
@@ -8508,15 +8480,7 @@
             <a:pPr lvl="1"/>
             <a:r>
               <a:rPr lang="en-US" dirty="0" smtClean="0"/>
-              <a:t>Use the </a:t>
-            </a:r>
-            <a:r>
-              <a:rPr lang="en-US" dirty="0" err="1" smtClean="0"/>
-              <a:t>beanfactory</a:t>
-            </a:r>
-            <a:r>
-              <a:rPr lang="en-US" dirty="0" smtClean="0"/>
-              <a:t> implementation </a:t>
+              <a:t>Use the bean factory implementation </a:t>
             </a:r>
           </a:p>
           <a:p>
